--- a/warmupProjectPres.pptx
+++ b/warmupProjectPres.pptx
@@ -117,6 +117,30 @@
 
 <file path=ppt/changesInfos/changesInfo1.xml><?xml version="1.0" encoding="utf-8"?>
 <pc:chgInfo xmlns:a="http://schemas.openxmlformats.org/drawingml/2006/main" xmlns:r="http://schemas.openxmlformats.org/officeDocument/2006/relationships" xmlns:ac="http://schemas.microsoft.com/office/drawing/2013/main/command" xmlns:pc="http://schemas.microsoft.com/office/powerpoint/2013/main/command">
+  <pc:docChgLst>
+    <pc:chgData name="Brandon Wolf" userId="c64f49d558ff8e4f" providerId="LiveId" clId="{539398C3-B59F-4858-8355-CD93C49DD49C}"/>
+    <pc:docChg chg="custSel modSld">
+      <pc:chgData name="Brandon Wolf" userId="c64f49d558ff8e4f" providerId="LiveId" clId="{539398C3-B59F-4858-8355-CD93C49DD49C}" dt="2024-02-14T20:41:31.653" v="64" actId="20577"/>
+      <pc:docMkLst>
+        <pc:docMk/>
+      </pc:docMkLst>
+      <pc:sldChg chg="modSp mod">
+        <pc:chgData name="Brandon Wolf" userId="c64f49d558ff8e4f" providerId="LiveId" clId="{539398C3-B59F-4858-8355-CD93C49DD49C}" dt="2024-02-14T20:41:31.653" v="64" actId="20577"/>
+        <pc:sldMkLst>
+          <pc:docMk/>
+          <pc:sldMk cId="629255073" sldId="256"/>
+        </pc:sldMkLst>
+        <pc:spChg chg="mod">
+          <ac:chgData name="Brandon Wolf" userId="c64f49d558ff8e4f" providerId="LiveId" clId="{539398C3-B59F-4858-8355-CD93C49DD49C}" dt="2024-02-14T20:41:31.653" v="64" actId="20577"/>
+          <ac:spMkLst>
+            <pc:docMk/>
+            <pc:sldMk cId="629255073" sldId="256"/>
+            <ac:spMk id="3" creationId="{81EB5D1F-7C8D-AB58-FD55-3F04A5AE65FB}"/>
+          </ac:spMkLst>
+        </pc:spChg>
+      </pc:sldChg>
+    </pc:docChg>
+  </pc:docChgLst>
   <pc:docChgLst>
     <pc:chgData name="John Driscoll" userId="05501d7cf7c741a5" providerId="LiveId" clId="{9F272F6B-5E5D-42D8-83AA-6E39666243C8}"/>
     <pc:docChg chg="undo custSel addSld modSld addMainMaster delMainMaster">
@@ -4341,7 +4365,7 @@
         </p:spPr>
         <p:txBody>
           <a:bodyPr>
-            <a:normAutofit fontScale="92500" lnSpcReduction="10000"/>
+            <a:normAutofit fontScale="62500" lnSpcReduction="20000"/>
           </a:bodyPr>
           <a:lstStyle/>
           <a:p>
@@ -4367,7 +4391,7 @@
                   </a:schemeClr>
                 </a:solidFill>
               </a:rPr>
-              <a:t>[names]</a:t>
+              <a:t>John Driscoll, Brandon Wolf, Lucas Mayo, Henry Kuzma</a:t>
             </a:r>
           </a:p>
         </p:txBody>
